--- a/output.pptx
+++ b/output.pptx
@@ -3872,7 +3872,7 @@
             <a:avLst/>
           </a:prstGeom>
           <a:solidFill>
-            <a:srgbClr val="FF0000"/>
+            <a:srgbClr val="000000"/>
           </a:solidFill>
           <a:ln>
             <a:solidFill>
@@ -3898,9 +3898,7 @@
           <a:bodyPr rtlCol="0" anchor="ctr"/>
           <a:lstStyle/>
           <a:p>
-            <a:r>
-              <a:t>Test</a:t>
-            </a:r>
+            <a:pPr algn="ctr"/>
           </a:p>
         </p:txBody>
       </p:sp>
@@ -3912,12 +3910,20 @@
         </p:nvSpPr>
         <p:spPr>
           <a:xfrm>
-            <a:off x="3048000" y="0"/>
-            <a:ext cx="3048000" cy="6858000"/>
+            <a:off x="0" y="38100"/>
+            <a:ext cx="2990850" cy="2990850"/>
           </a:xfrm>
           <a:prstGeom prst="rect">
             <a:avLst/>
           </a:prstGeom>
+          <a:solidFill>
+            <a:srgbClr val="FFFFFF"/>
+          </a:solidFill>
+          <a:ln>
+            <a:solidFill>
+              <a:srgbClr val="FFFFFF"/>
+            </a:solidFill>
+          </a:ln>
         </p:spPr>
         <p:style>
           <a:lnRef idx="1">
@@ -3937,7 +3943,697 @@
           <a:bodyPr rtlCol="0" anchor="ctr"/>
           <a:lstStyle/>
           <a:p>
+            <a:pPr algn="ctr">
+              <a:defRPr sz="3000"/>
+            </a:pPr>
+            <a:r>
+              <a:t>Test</a:t>
+            </a:r>
+          </a:p>
+        </p:txBody>
+      </p:sp>
+      <p:sp>
+        <p:nvSpPr>
+          <p:cNvPr id="4" name="Rectangle 3"/>
+          <p:cNvSpPr/>
+          <p:nvPr/>
+        </p:nvSpPr>
+        <p:spPr>
+          <a:xfrm>
+            <a:off x="0" y="3086100"/>
+            <a:ext cx="2990850" cy="800100"/>
+          </a:xfrm>
+          <a:prstGeom prst="rect">
+            <a:avLst/>
+          </a:prstGeom>
+          <a:solidFill>
+            <a:srgbClr val="FF0000"/>
+          </a:solidFill>
+          <a:ln>
+            <a:solidFill>
+              <a:srgbClr val="FF0000"/>
+            </a:solidFill>
+          </a:ln>
+        </p:spPr>
+        <p:style>
+          <a:lnRef idx="1">
+            <a:schemeClr val="accent1"/>
+          </a:lnRef>
+          <a:fillRef idx="3">
+            <a:schemeClr val="accent1"/>
+          </a:fillRef>
+          <a:effectRef idx="2">
+            <a:schemeClr val="accent1"/>
+          </a:effectRef>
+          <a:fontRef idx="minor">
+            <a:schemeClr val="lt1"/>
+          </a:fontRef>
+        </p:style>
+        <p:txBody>
+          <a:bodyPr rtlCol="0" anchor="ctr"/>
+          <a:lstStyle/>
+          <a:p>
+            <a:pPr algn="ctr">
+              <a:defRPr sz="2400"/>
+            </a:pPr>
+            <a:r>
+              <a:t>Test</a:t>
+            </a:r>
+          </a:p>
+        </p:txBody>
+      </p:sp>
+      <p:sp>
+        <p:nvSpPr>
+          <p:cNvPr id="5" name="Rectangle 4"/>
+          <p:cNvSpPr/>
+          <p:nvPr/>
+        </p:nvSpPr>
+        <p:spPr>
+          <a:xfrm>
+            <a:off x="0" y="3467100"/>
+            <a:ext cx="2990850" cy="1657350"/>
+          </a:xfrm>
+          <a:prstGeom prst="rect">
+            <a:avLst/>
+          </a:prstGeom>
+          <a:solidFill>
+            <a:srgbClr val="7E7E7E"/>
+          </a:solidFill>
+          <a:ln>
+            <a:solidFill>
+              <a:srgbClr val="7E7E7E"/>
+            </a:solidFill>
+          </a:ln>
+        </p:spPr>
+        <p:style>
+          <a:lnRef idx="1">
+            <a:schemeClr val="accent1"/>
+          </a:lnRef>
+          <a:fillRef idx="3">
+            <a:schemeClr val="accent1"/>
+          </a:fillRef>
+          <a:effectRef idx="2">
+            <a:schemeClr val="accent1"/>
+          </a:effectRef>
+          <a:fontRef idx="minor">
+            <a:schemeClr val="lt1"/>
+          </a:fontRef>
+        </p:style>
+        <p:txBody>
+          <a:bodyPr rtlCol="0" anchor="ctr"/>
+          <a:lstStyle/>
+          <a:p>
+            <a:pPr algn="ctr">
+              <a:defRPr sz="2800"/>
+            </a:pPr>
+            <a:r>
+              <a:t>Test</a:t>
+            </a:r>
+          </a:p>
+        </p:txBody>
+      </p:sp>
+      <p:sp>
+        <p:nvSpPr>
+          <p:cNvPr id="6" name="Rectangle 5"/>
+          <p:cNvSpPr/>
+          <p:nvPr/>
+        </p:nvSpPr>
+        <p:spPr>
+          <a:xfrm>
+            <a:off x="3048000" y="0"/>
+            <a:ext cx="3048000" cy="6858000"/>
+          </a:xfrm>
+          <a:prstGeom prst="rect">
+            <a:avLst/>
+          </a:prstGeom>
+          <a:solidFill>
+            <a:srgbClr val="000000"/>
+          </a:solidFill>
+          <a:ln>
+            <a:solidFill>
+              <a:srgbClr val="000000"/>
+            </a:solidFill>
+          </a:ln>
+        </p:spPr>
+        <p:style>
+          <a:lnRef idx="1">
+            <a:schemeClr val="accent1"/>
+          </a:lnRef>
+          <a:fillRef idx="3">
+            <a:schemeClr val="accent1"/>
+          </a:fillRef>
+          <a:effectRef idx="2">
+            <a:schemeClr val="accent1"/>
+          </a:effectRef>
+          <a:fontRef idx="minor">
+            <a:schemeClr val="lt1"/>
+          </a:fontRef>
+        </p:style>
+        <p:txBody>
+          <a:bodyPr rtlCol="0" anchor="ctr"/>
+          <a:lstStyle/>
+          <a:p>
             <a:pPr algn="ctr"/>
+          </a:p>
+        </p:txBody>
+      </p:sp>
+      <p:sp>
+        <p:nvSpPr>
+          <p:cNvPr id="7" name="Rectangle 6"/>
+          <p:cNvSpPr/>
+          <p:nvPr/>
+        </p:nvSpPr>
+        <p:spPr>
+          <a:xfrm>
+            <a:off x="3048000" y="38100"/>
+            <a:ext cx="2990850" cy="2990850"/>
+          </a:xfrm>
+          <a:prstGeom prst="rect">
+            <a:avLst/>
+          </a:prstGeom>
+          <a:solidFill>
+            <a:srgbClr val="FFFFFF"/>
+          </a:solidFill>
+          <a:ln>
+            <a:solidFill>
+              <a:srgbClr val="FFFFFF"/>
+            </a:solidFill>
+          </a:ln>
+        </p:spPr>
+        <p:style>
+          <a:lnRef idx="1">
+            <a:schemeClr val="accent1"/>
+          </a:lnRef>
+          <a:fillRef idx="3">
+            <a:schemeClr val="accent1"/>
+          </a:fillRef>
+          <a:effectRef idx="2">
+            <a:schemeClr val="accent1"/>
+          </a:effectRef>
+          <a:fontRef idx="minor">
+            <a:schemeClr val="lt1"/>
+          </a:fontRef>
+        </p:style>
+        <p:txBody>
+          <a:bodyPr rtlCol="0" anchor="ctr"/>
+          <a:lstStyle/>
+          <a:p>
+            <a:pPr algn="ctr">
+              <a:defRPr sz="3000"/>
+            </a:pPr>
+            <a:r>
+              <a:t>Test</a:t>
+            </a:r>
+          </a:p>
+        </p:txBody>
+      </p:sp>
+      <p:sp>
+        <p:nvSpPr>
+          <p:cNvPr id="8" name="Rectangle 7"/>
+          <p:cNvSpPr/>
+          <p:nvPr/>
+        </p:nvSpPr>
+        <p:spPr>
+          <a:xfrm>
+            <a:off x="3048000" y="3086100"/>
+            <a:ext cx="2990850" cy="800100"/>
+          </a:xfrm>
+          <a:prstGeom prst="rect">
+            <a:avLst/>
+          </a:prstGeom>
+          <a:solidFill>
+            <a:srgbClr val="FF0000"/>
+          </a:solidFill>
+          <a:ln>
+            <a:solidFill>
+              <a:srgbClr val="FF0000"/>
+            </a:solidFill>
+          </a:ln>
+        </p:spPr>
+        <p:style>
+          <a:lnRef idx="1">
+            <a:schemeClr val="accent1"/>
+          </a:lnRef>
+          <a:fillRef idx="3">
+            <a:schemeClr val="accent1"/>
+          </a:fillRef>
+          <a:effectRef idx="2">
+            <a:schemeClr val="accent1"/>
+          </a:effectRef>
+          <a:fontRef idx="minor">
+            <a:schemeClr val="lt1"/>
+          </a:fontRef>
+        </p:style>
+        <p:txBody>
+          <a:bodyPr rtlCol="0" anchor="ctr"/>
+          <a:lstStyle/>
+          <a:p>
+            <a:pPr algn="ctr">
+              <a:defRPr sz="2400"/>
+            </a:pPr>
+            <a:r>
+              <a:t>Test</a:t>
+            </a:r>
+          </a:p>
+        </p:txBody>
+      </p:sp>
+      <p:sp>
+        <p:nvSpPr>
+          <p:cNvPr id="9" name="Rectangle 8"/>
+          <p:cNvSpPr/>
+          <p:nvPr/>
+        </p:nvSpPr>
+        <p:spPr>
+          <a:xfrm>
+            <a:off x="3048000" y="3467100"/>
+            <a:ext cx="2990850" cy="1657350"/>
+          </a:xfrm>
+          <a:prstGeom prst="rect">
+            <a:avLst/>
+          </a:prstGeom>
+          <a:solidFill>
+            <a:srgbClr val="7E7E7E"/>
+          </a:solidFill>
+          <a:ln>
+            <a:solidFill>
+              <a:srgbClr val="7E7E7E"/>
+            </a:solidFill>
+          </a:ln>
+        </p:spPr>
+        <p:style>
+          <a:lnRef idx="1">
+            <a:schemeClr val="accent1"/>
+          </a:lnRef>
+          <a:fillRef idx="3">
+            <a:schemeClr val="accent1"/>
+          </a:fillRef>
+          <a:effectRef idx="2">
+            <a:schemeClr val="accent1"/>
+          </a:effectRef>
+          <a:fontRef idx="minor">
+            <a:schemeClr val="lt1"/>
+          </a:fontRef>
+        </p:style>
+        <p:txBody>
+          <a:bodyPr rtlCol="0" anchor="ctr"/>
+          <a:lstStyle/>
+          <a:p>
+            <a:pPr algn="ctr">
+              <a:defRPr sz="2800"/>
+            </a:pPr>
+            <a:r>
+              <a:t>Test</a:t>
+            </a:r>
+          </a:p>
+        </p:txBody>
+      </p:sp>
+      <p:sp>
+        <p:nvSpPr>
+          <p:cNvPr id="10" name="Rectangle 9"/>
+          <p:cNvSpPr/>
+          <p:nvPr/>
+        </p:nvSpPr>
+        <p:spPr>
+          <a:xfrm>
+            <a:off x="6096000" y="0"/>
+            <a:ext cx="3048000" cy="6858000"/>
+          </a:xfrm>
+          <a:prstGeom prst="rect">
+            <a:avLst/>
+          </a:prstGeom>
+          <a:solidFill>
+            <a:srgbClr val="000000"/>
+          </a:solidFill>
+          <a:ln>
+            <a:solidFill>
+              <a:srgbClr val="000000"/>
+            </a:solidFill>
+          </a:ln>
+        </p:spPr>
+        <p:style>
+          <a:lnRef idx="1">
+            <a:schemeClr val="accent1"/>
+          </a:lnRef>
+          <a:fillRef idx="3">
+            <a:schemeClr val="accent1"/>
+          </a:fillRef>
+          <a:effectRef idx="2">
+            <a:schemeClr val="accent1"/>
+          </a:effectRef>
+          <a:fontRef idx="minor">
+            <a:schemeClr val="lt1"/>
+          </a:fontRef>
+        </p:style>
+        <p:txBody>
+          <a:bodyPr rtlCol="0" anchor="ctr"/>
+          <a:lstStyle/>
+          <a:p>
+            <a:pPr algn="ctr"/>
+          </a:p>
+        </p:txBody>
+      </p:sp>
+      <p:sp>
+        <p:nvSpPr>
+          <p:cNvPr id="11" name="Rectangle 10"/>
+          <p:cNvSpPr/>
+          <p:nvPr/>
+        </p:nvSpPr>
+        <p:spPr>
+          <a:xfrm>
+            <a:off x="6096000" y="38100"/>
+            <a:ext cx="2990850" cy="2990850"/>
+          </a:xfrm>
+          <a:prstGeom prst="rect">
+            <a:avLst/>
+          </a:prstGeom>
+          <a:solidFill>
+            <a:srgbClr val="FFFFFF"/>
+          </a:solidFill>
+          <a:ln>
+            <a:solidFill>
+              <a:srgbClr val="FFFFFF"/>
+            </a:solidFill>
+          </a:ln>
+        </p:spPr>
+        <p:style>
+          <a:lnRef idx="1">
+            <a:schemeClr val="accent1"/>
+          </a:lnRef>
+          <a:fillRef idx="3">
+            <a:schemeClr val="accent1"/>
+          </a:fillRef>
+          <a:effectRef idx="2">
+            <a:schemeClr val="accent1"/>
+          </a:effectRef>
+          <a:fontRef idx="minor">
+            <a:schemeClr val="lt1"/>
+          </a:fontRef>
+        </p:style>
+        <p:txBody>
+          <a:bodyPr rtlCol="0" anchor="ctr"/>
+          <a:lstStyle/>
+          <a:p>
+            <a:pPr algn="ctr">
+              <a:defRPr sz="3000"/>
+            </a:pPr>
+            <a:r>
+              <a:t>Test</a:t>
+            </a:r>
+          </a:p>
+        </p:txBody>
+      </p:sp>
+      <p:sp>
+        <p:nvSpPr>
+          <p:cNvPr id="12" name="Rectangle 11"/>
+          <p:cNvSpPr/>
+          <p:nvPr/>
+        </p:nvSpPr>
+        <p:spPr>
+          <a:xfrm>
+            <a:off x="6096000" y="3086100"/>
+            <a:ext cx="2990850" cy="800100"/>
+          </a:xfrm>
+          <a:prstGeom prst="rect">
+            <a:avLst/>
+          </a:prstGeom>
+          <a:solidFill>
+            <a:srgbClr val="FF0000"/>
+          </a:solidFill>
+          <a:ln>
+            <a:solidFill>
+              <a:srgbClr val="FF0000"/>
+            </a:solidFill>
+          </a:ln>
+        </p:spPr>
+        <p:style>
+          <a:lnRef idx="1">
+            <a:schemeClr val="accent1"/>
+          </a:lnRef>
+          <a:fillRef idx="3">
+            <a:schemeClr val="accent1"/>
+          </a:fillRef>
+          <a:effectRef idx="2">
+            <a:schemeClr val="accent1"/>
+          </a:effectRef>
+          <a:fontRef idx="minor">
+            <a:schemeClr val="lt1"/>
+          </a:fontRef>
+        </p:style>
+        <p:txBody>
+          <a:bodyPr rtlCol="0" anchor="ctr"/>
+          <a:lstStyle/>
+          <a:p>
+            <a:pPr algn="ctr">
+              <a:defRPr sz="2400"/>
+            </a:pPr>
+            <a:r>
+              <a:t>Test</a:t>
+            </a:r>
+          </a:p>
+        </p:txBody>
+      </p:sp>
+      <p:sp>
+        <p:nvSpPr>
+          <p:cNvPr id="13" name="Rectangle 12"/>
+          <p:cNvSpPr/>
+          <p:nvPr/>
+        </p:nvSpPr>
+        <p:spPr>
+          <a:xfrm>
+            <a:off x="6096000" y="3467100"/>
+            <a:ext cx="2990850" cy="1657350"/>
+          </a:xfrm>
+          <a:prstGeom prst="rect">
+            <a:avLst/>
+          </a:prstGeom>
+          <a:solidFill>
+            <a:srgbClr val="7E7E7E"/>
+          </a:solidFill>
+          <a:ln>
+            <a:solidFill>
+              <a:srgbClr val="7E7E7E"/>
+            </a:solidFill>
+          </a:ln>
+        </p:spPr>
+        <p:style>
+          <a:lnRef idx="1">
+            <a:schemeClr val="accent1"/>
+          </a:lnRef>
+          <a:fillRef idx="3">
+            <a:schemeClr val="accent1"/>
+          </a:fillRef>
+          <a:effectRef idx="2">
+            <a:schemeClr val="accent1"/>
+          </a:effectRef>
+          <a:fontRef idx="minor">
+            <a:schemeClr val="lt1"/>
+          </a:fontRef>
+        </p:style>
+        <p:txBody>
+          <a:bodyPr rtlCol="0" anchor="ctr"/>
+          <a:lstStyle/>
+          <a:p>
+            <a:pPr algn="ctr">
+              <a:defRPr sz="2800"/>
+            </a:pPr>
+            <a:r>
+              <a:t>Test</a:t>
+            </a:r>
+          </a:p>
+        </p:txBody>
+      </p:sp>
+      <p:sp>
+        <p:nvSpPr>
+          <p:cNvPr id="14" name="Rectangle 13"/>
+          <p:cNvSpPr/>
+          <p:nvPr/>
+        </p:nvSpPr>
+        <p:spPr>
+          <a:xfrm>
+            <a:off x="9144000" y="0"/>
+            <a:ext cx="3048000" cy="6858000"/>
+          </a:xfrm>
+          <a:prstGeom prst="rect">
+            <a:avLst/>
+          </a:prstGeom>
+          <a:solidFill>
+            <a:srgbClr val="000000"/>
+          </a:solidFill>
+          <a:ln>
+            <a:solidFill>
+              <a:srgbClr val="000000"/>
+            </a:solidFill>
+          </a:ln>
+        </p:spPr>
+        <p:style>
+          <a:lnRef idx="1">
+            <a:schemeClr val="accent1"/>
+          </a:lnRef>
+          <a:fillRef idx="3">
+            <a:schemeClr val="accent1"/>
+          </a:fillRef>
+          <a:effectRef idx="2">
+            <a:schemeClr val="accent1"/>
+          </a:effectRef>
+          <a:fontRef idx="minor">
+            <a:schemeClr val="lt1"/>
+          </a:fontRef>
+        </p:style>
+        <p:txBody>
+          <a:bodyPr rtlCol="0" anchor="ctr"/>
+          <a:lstStyle/>
+          <a:p>
+            <a:pPr algn="ctr"/>
+          </a:p>
+        </p:txBody>
+      </p:sp>
+      <p:sp>
+        <p:nvSpPr>
+          <p:cNvPr id="15" name="Rectangle 14"/>
+          <p:cNvSpPr/>
+          <p:nvPr/>
+        </p:nvSpPr>
+        <p:spPr>
+          <a:xfrm>
+            <a:off x="9144000" y="38100"/>
+            <a:ext cx="2990850" cy="2990850"/>
+          </a:xfrm>
+          <a:prstGeom prst="rect">
+            <a:avLst/>
+          </a:prstGeom>
+          <a:solidFill>
+            <a:srgbClr val="FFFFFF"/>
+          </a:solidFill>
+          <a:ln>
+            <a:solidFill>
+              <a:srgbClr val="FFFFFF"/>
+            </a:solidFill>
+          </a:ln>
+        </p:spPr>
+        <p:style>
+          <a:lnRef idx="1">
+            <a:schemeClr val="accent1"/>
+          </a:lnRef>
+          <a:fillRef idx="3">
+            <a:schemeClr val="accent1"/>
+          </a:fillRef>
+          <a:effectRef idx="2">
+            <a:schemeClr val="accent1"/>
+          </a:effectRef>
+          <a:fontRef idx="minor">
+            <a:schemeClr val="lt1"/>
+          </a:fontRef>
+        </p:style>
+        <p:txBody>
+          <a:bodyPr rtlCol="0" anchor="ctr"/>
+          <a:lstStyle/>
+          <a:p>
+            <a:pPr algn="ctr">
+              <a:defRPr sz="3000"/>
+            </a:pPr>
+            <a:r>
+              <a:t>Test</a:t>
+            </a:r>
+          </a:p>
+        </p:txBody>
+      </p:sp>
+      <p:sp>
+        <p:nvSpPr>
+          <p:cNvPr id="16" name="Rectangle 15"/>
+          <p:cNvSpPr/>
+          <p:nvPr/>
+        </p:nvSpPr>
+        <p:spPr>
+          <a:xfrm>
+            <a:off x="9144000" y="3086100"/>
+            <a:ext cx="2990850" cy="800100"/>
+          </a:xfrm>
+          <a:prstGeom prst="rect">
+            <a:avLst/>
+          </a:prstGeom>
+          <a:solidFill>
+            <a:srgbClr val="FF0000"/>
+          </a:solidFill>
+          <a:ln>
+            <a:solidFill>
+              <a:srgbClr val="FF0000"/>
+            </a:solidFill>
+          </a:ln>
+        </p:spPr>
+        <p:style>
+          <a:lnRef idx="1">
+            <a:schemeClr val="accent1"/>
+          </a:lnRef>
+          <a:fillRef idx="3">
+            <a:schemeClr val="accent1"/>
+          </a:fillRef>
+          <a:effectRef idx="2">
+            <a:schemeClr val="accent1"/>
+          </a:effectRef>
+          <a:fontRef idx="minor">
+            <a:schemeClr val="lt1"/>
+          </a:fontRef>
+        </p:style>
+        <p:txBody>
+          <a:bodyPr rtlCol="0" anchor="ctr"/>
+          <a:lstStyle/>
+          <a:p>
+            <a:pPr algn="ctr">
+              <a:defRPr sz="2400"/>
+            </a:pPr>
+            <a:r>
+              <a:t>Test</a:t>
+            </a:r>
+          </a:p>
+        </p:txBody>
+      </p:sp>
+      <p:sp>
+        <p:nvSpPr>
+          <p:cNvPr id="17" name="Rectangle 16"/>
+          <p:cNvSpPr/>
+          <p:nvPr/>
+        </p:nvSpPr>
+        <p:spPr>
+          <a:xfrm>
+            <a:off x="9144000" y="3467100"/>
+            <a:ext cx="2990850" cy="1657350"/>
+          </a:xfrm>
+          <a:prstGeom prst="rect">
+            <a:avLst/>
+          </a:prstGeom>
+          <a:solidFill>
+            <a:srgbClr val="7E7E7E"/>
+          </a:solidFill>
+          <a:ln>
+            <a:solidFill>
+              <a:srgbClr val="7E7E7E"/>
+            </a:solidFill>
+          </a:ln>
+        </p:spPr>
+        <p:style>
+          <a:lnRef idx="1">
+            <a:schemeClr val="accent1"/>
+          </a:lnRef>
+          <a:fillRef idx="3">
+            <a:schemeClr val="accent1"/>
+          </a:fillRef>
+          <a:effectRef idx="2">
+            <a:schemeClr val="accent1"/>
+          </a:effectRef>
+          <a:fontRef idx="minor">
+            <a:schemeClr val="lt1"/>
+          </a:fontRef>
+        </p:style>
+        <p:txBody>
+          <a:bodyPr rtlCol="0" anchor="ctr"/>
+          <a:lstStyle/>
+          <a:p>
+            <a:pPr algn="ctr">
+              <a:defRPr sz="2800"/>
+            </a:pPr>
+            <a:r>
+              <a:t>Test</a:t>
+            </a:r>
           </a:p>
         </p:txBody>
       </p:sp>
